--- a/COSC 528/Project 4/Images.pptx
+++ b/COSC 528/Project 4/Images.pptx
@@ -7,6 +7,7 @@
   </p:sldMasterIdLst>
   <p:sldIdLst>
     <p:sldId id="256" r:id="rId3"/>
+    <p:sldId id="257" r:id="rId4"/>
   </p:sldIdLst>
   <p:sldSz cx="12188825" cy="6858000"/>
   <p:notesSz cx="7010400" cy="9296400"/>
@@ -1287,7 +1288,7 @@
           <a:p>
             <a:fld id="{78681795-28A8-FE48-A6D3-13DFDB3D6C63}" type="datetimeFigureOut">
               <a:rPr lang="en-US" smtClean="0"/>
-              <a:t>11/19/18</a:t>
+              <a:t>11/24/2018</a:t>
             </a:fld>
             <a:endParaRPr lang="en-US"/>
           </a:p>
@@ -1428,7 +1429,7 @@
           <a:p>
             <a:fld id="{78681795-28A8-FE48-A6D3-13DFDB3D6C63}" type="datetimeFigureOut">
               <a:rPr lang="en-US" smtClean="0"/>
-              <a:t>11/19/18</a:t>
+              <a:t>11/24/2018</a:t>
             </a:fld>
             <a:endParaRPr lang="en-US"/>
           </a:p>
@@ -1541,7 +1542,7 @@
           <a:p>
             <a:fld id="{78681795-28A8-FE48-A6D3-13DFDB3D6C63}" type="datetimeFigureOut">
               <a:rPr lang="en-US" smtClean="0"/>
-              <a:t>11/19/18</a:t>
+              <a:t>11/24/2018</a:t>
             </a:fld>
             <a:endParaRPr lang="en-US"/>
           </a:p>
@@ -1853,7 +1854,7 @@
           <a:p>
             <a:fld id="{78681795-28A8-FE48-A6D3-13DFDB3D6C63}" type="datetimeFigureOut">
               <a:rPr lang="en-US" smtClean="0"/>
-              <a:t>11/19/18</a:t>
+              <a:t>11/24/2018</a:t>
             </a:fld>
             <a:endParaRPr lang="en-US"/>
           </a:p>
@@ -2142,7 +2143,7 @@
           <a:p>
             <a:fld id="{78681795-28A8-FE48-A6D3-13DFDB3D6C63}" type="datetimeFigureOut">
               <a:rPr lang="en-US" smtClean="0"/>
-              <a:t>11/19/18</a:t>
+              <a:t>11/24/2018</a:t>
             </a:fld>
             <a:endParaRPr lang="en-US"/>
           </a:p>
@@ -2341,7 +2342,7 @@
           <a:p>
             <a:fld id="{78681795-28A8-FE48-A6D3-13DFDB3D6C63}" type="datetimeFigureOut">
               <a:rPr lang="en-US" smtClean="0"/>
-              <a:t>11/19/18</a:t>
+              <a:t>11/24/2018</a:t>
             </a:fld>
             <a:endParaRPr lang="en-US"/>
           </a:p>
@@ -2550,7 +2551,7 @@
           <a:p>
             <a:fld id="{78681795-28A8-FE48-A6D3-13DFDB3D6C63}" type="datetimeFigureOut">
               <a:rPr lang="en-US" smtClean="0"/>
-              <a:t>11/19/18</a:t>
+              <a:t>11/24/2018</a:t>
             </a:fld>
             <a:endParaRPr lang="en-US"/>
           </a:p>
@@ -3608,7 +3609,7 @@
           <a:p>
             <a:fld id="{78681795-28A8-FE48-A6D3-13DFDB3D6C63}" type="datetimeFigureOut">
               <a:rPr lang="en-US" smtClean="0"/>
-              <a:t>11/19/18</a:t>
+              <a:t>11/24/2018</a:t>
             </a:fld>
             <a:endParaRPr lang="en-US"/>
           </a:p>
@@ -3807,7 +3808,7 @@
           <a:p>
             <a:fld id="{78681795-28A8-FE48-A6D3-13DFDB3D6C63}" type="datetimeFigureOut">
               <a:rPr lang="en-US" smtClean="0"/>
-              <a:t>11/19/18</a:t>
+              <a:t>11/24/2018</a:t>
             </a:fld>
             <a:endParaRPr lang="en-US"/>
           </a:p>
@@ -4082,7 +4083,7 @@
           <a:p>
             <a:fld id="{78681795-28A8-FE48-A6D3-13DFDB3D6C63}" type="datetimeFigureOut">
               <a:rPr lang="en-US" smtClean="0"/>
-              <a:t>11/19/18</a:t>
+              <a:t>11/24/2018</a:t>
             </a:fld>
             <a:endParaRPr lang="en-US"/>
           </a:p>
@@ -4348,7 +4349,7 @@
           <a:p>
             <a:fld id="{78681795-28A8-FE48-A6D3-13DFDB3D6C63}" type="datetimeFigureOut">
               <a:rPr lang="en-US" smtClean="0"/>
-              <a:t>11/19/18</a:t>
+              <a:t>11/24/2018</a:t>
             </a:fld>
             <a:endParaRPr lang="en-US"/>
           </a:p>
@@ -5406,7 +5407,7 @@
           <a:p>
             <a:fld id="{78681795-28A8-FE48-A6D3-13DFDB3D6C63}" type="datetimeFigureOut">
               <a:rPr lang="en-US" smtClean="0"/>
-              <a:t>11/19/18</a:t>
+              <a:t>11/24/2018</a:t>
             </a:fld>
             <a:endParaRPr lang="en-US"/>
           </a:p>
@@ -7975,6 +7976,1665 @@
     <p:extLst>
       <p:ext uri="{BB962C8B-B14F-4D97-AF65-F5344CB8AC3E}">
         <p14:creationId xmlns:p14="http://schemas.microsoft.com/office/powerpoint/2010/main" val="938279322"/>
+      </p:ext>
+    </p:extLst>
+  </p:cSld>
+  <p:clrMapOvr>
+    <a:masterClrMapping/>
+  </p:clrMapOvr>
+</p:sld>
+</file>
+
+<file path=ppt/slides/slide2.xml><?xml version="1.0" encoding="utf-8"?>
+<p:sld xmlns:a="http://schemas.openxmlformats.org/drawingml/2006/main" xmlns:r="http://schemas.openxmlformats.org/officeDocument/2006/relationships" xmlns:p="http://schemas.openxmlformats.org/presentationml/2006/main">
+  <p:cSld>
+    <p:spTree>
+      <p:nvGrpSpPr>
+        <p:cNvPr id="1" name=""/>
+        <p:cNvGrpSpPr/>
+        <p:nvPr/>
+      </p:nvGrpSpPr>
+      <p:grpSpPr>
+        <a:xfrm>
+          <a:off x="0" y="0"/>
+          <a:ext cx="0" cy="0"/>
+          <a:chOff x="0" y="0"/>
+          <a:chExt cx="0" cy="0"/>
+        </a:xfrm>
+      </p:grpSpPr>
+      <p:sp>
+        <p:nvSpPr>
+          <p:cNvPr id="4" name="Oval 3">
+            <a:extLst>
+              <a:ext uri="{FF2B5EF4-FFF2-40B4-BE49-F238E27FC236}">
+                <a16:creationId xmlns:a16="http://schemas.microsoft.com/office/drawing/2014/main" id="{C3E6BCF4-D5FD-144A-90EA-DC84062E06A4}"/>
+              </a:ext>
+            </a:extLst>
+          </p:cNvPr>
+          <p:cNvSpPr/>
+          <p:nvPr/>
+        </p:nvSpPr>
+        <p:spPr>
+          <a:xfrm>
+            <a:off x="2097741" y="1680882"/>
+            <a:ext cx="578224" cy="578224"/>
+          </a:xfrm>
+          <a:prstGeom prst="ellipse">
+            <a:avLst/>
+          </a:prstGeom>
+          <a:noFill/>
+          <a:ln w="28575">
+            <a:solidFill>
+              <a:srgbClr val="0070C0"/>
+            </a:solidFill>
+          </a:ln>
+        </p:spPr>
+        <p:style>
+          <a:lnRef idx="2">
+            <a:schemeClr val="accent1">
+              <a:shade val="50000"/>
+            </a:schemeClr>
+          </a:lnRef>
+          <a:fillRef idx="1">
+            <a:schemeClr val="accent1"/>
+          </a:fillRef>
+          <a:effectRef idx="0">
+            <a:schemeClr val="accent1"/>
+          </a:effectRef>
+          <a:fontRef idx="minor">
+            <a:schemeClr val="lt1"/>
+          </a:fontRef>
+        </p:style>
+        <p:txBody>
+          <a:bodyPr rtlCol="0" anchor="ctr"/>
+          <a:lstStyle/>
+          <a:p>
+            <a:pPr algn="ctr"/>
+            <a:endParaRPr lang="en-US"/>
+          </a:p>
+        </p:txBody>
+      </p:sp>
+      <p:sp>
+        <p:nvSpPr>
+          <p:cNvPr id="5" name="Oval 4">
+            <a:extLst>
+              <a:ext uri="{FF2B5EF4-FFF2-40B4-BE49-F238E27FC236}">
+                <a16:creationId xmlns:a16="http://schemas.microsoft.com/office/drawing/2014/main" id="{4371D73B-3A06-9F4D-AF87-F9AFD3BA8B23}"/>
+              </a:ext>
+            </a:extLst>
+          </p:cNvPr>
+          <p:cNvSpPr/>
+          <p:nvPr/>
+        </p:nvSpPr>
+        <p:spPr>
+          <a:xfrm>
+            <a:off x="2097741" y="2613211"/>
+            <a:ext cx="578224" cy="578224"/>
+          </a:xfrm>
+          <a:prstGeom prst="ellipse">
+            <a:avLst/>
+          </a:prstGeom>
+          <a:noFill/>
+          <a:ln w="28575">
+            <a:solidFill>
+              <a:srgbClr val="0070C0"/>
+            </a:solidFill>
+          </a:ln>
+        </p:spPr>
+        <p:style>
+          <a:lnRef idx="2">
+            <a:schemeClr val="accent1">
+              <a:shade val="50000"/>
+            </a:schemeClr>
+          </a:lnRef>
+          <a:fillRef idx="1">
+            <a:schemeClr val="accent1"/>
+          </a:fillRef>
+          <a:effectRef idx="0">
+            <a:schemeClr val="accent1"/>
+          </a:effectRef>
+          <a:fontRef idx="minor">
+            <a:schemeClr val="lt1"/>
+          </a:fontRef>
+        </p:style>
+        <p:txBody>
+          <a:bodyPr rtlCol="0" anchor="ctr"/>
+          <a:lstStyle/>
+          <a:p>
+            <a:pPr algn="ctr"/>
+            <a:endParaRPr lang="en-US"/>
+          </a:p>
+        </p:txBody>
+      </p:sp>
+      <p:sp>
+        <p:nvSpPr>
+          <p:cNvPr id="6" name="Oval 5">
+            <a:extLst>
+              <a:ext uri="{FF2B5EF4-FFF2-40B4-BE49-F238E27FC236}">
+                <a16:creationId xmlns:a16="http://schemas.microsoft.com/office/drawing/2014/main" id="{26B754A1-D191-E449-B386-8E9F88B05CED}"/>
+              </a:ext>
+            </a:extLst>
+          </p:cNvPr>
+          <p:cNvSpPr/>
+          <p:nvPr/>
+        </p:nvSpPr>
+        <p:spPr>
+          <a:xfrm>
+            <a:off x="2097741" y="3601137"/>
+            <a:ext cx="578224" cy="578224"/>
+          </a:xfrm>
+          <a:prstGeom prst="ellipse">
+            <a:avLst/>
+          </a:prstGeom>
+          <a:solidFill>
+            <a:schemeClr val="bg1">
+              <a:lumMod val="85000"/>
+            </a:schemeClr>
+          </a:solidFill>
+          <a:ln w="28575">
+            <a:solidFill>
+              <a:schemeClr val="bg1">
+                <a:lumMod val="50000"/>
+              </a:schemeClr>
+            </a:solidFill>
+          </a:ln>
+        </p:spPr>
+        <p:style>
+          <a:lnRef idx="2">
+            <a:schemeClr val="accent1">
+              <a:shade val="50000"/>
+            </a:schemeClr>
+          </a:lnRef>
+          <a:fillRef idx="1">
+            <a:schemeClr val="accent1"/>
+          </a:fillRef>
+          <a:effectRef idx="0">
+            <a:schemeClr val="accent1"/>
+          </a:effectRef>
+          <a:fontRef idx="minor">
+            <a:schemeClr val="lt1"/>
+          </a:fontRef>
+        </p:style>
+        <p:txBody>
+          <a:bodyPr rtlCol="0" anchor="ctr"/>
+          <a:lstStyle/>
+          <a:p>
+            <a:pPr algn="ctr"/>
+            <a:endParaRPr lang="en-US" sz="1000" b="1" dirty="0"/>
+          </a:p>
+        </p:txBody>
+      </p:sp>
+      <p:sp>
+        <p:nvSpPr>
+          <p:cNvPr id="7" name="Oval 6">
+            <a:extLst>
+              <a:ext uri="{FF2B5EF4-FFF2-40B4-BE49-F238E27FC236}">
+                <a16:creationId xmlns:a16="http://schemas.microsoft.com/office/drawing/2014/main" id="{6BAC9B0C-639B-E845-B114-B45423D9DC2E}"/>
+              </a:ext>
+            </a:extLst>
+          </p:cNvPr>
+          <p:cNvSpPr/>
+          <p:nvPr/>
+        </p:nvSpPr>
+        <p:spPr>
+          <a:xfrm>
+            <a:off x="4495799" y="887506"/>
+            <a:ext cx="578224" cy="578224"/>
+          </a:xfrm>
+          <a:prstGeom prst="ellipse">
+            <a:avLst/>
+          </a:prstGeom>
+          <a:noFill/>
+          <a:ln w="28575">
+            <a:solidFill>
+              <a:srgbClr val="FF0000"/>
+            </a:solidFill>
+          </a:ln>
+        </p:spPr>
+        <p:style>
+          <a:lnRef idx="2">
+            <a:schemeClr val="accent1">
+              <a:shade val="50000"/>
+            </a:schemeClr>
+          </a:lnRef>
+          <a:fillRef idx="1">
+            <a:schemeClr val="accent1"/>
+          </a:fillRef>
+          <a:effectRef idx="0">
+            <a:schemeClr val="accent1"/>
+          </a:effectRef>
+          <a:fontRef idx="minor">
+            <a:schemeClr val="lt1"/>
+          </a:fontRef>
+        </p:style>
+        <p:txBody>
+          <a:bodyPr rtlCol="0" anchor="ctr"/>
+          <a:lstStyle/>
+          <a:p>
+            <a:pPr algn="ctr"/>
+            <a:endParaRPr lang="en-US"/>
+          </a:p>
+        </p:txBody>
+      </p:sp>
+      <p:sp>
+        <p:nvSpPr>
+          <p:cNvPr id="8" name="Oval 7">
+            <a:extLst>
+              <a:ext uri="{FF2B5EF4-FFF2-40B4-BE49-F238E27FC236}">
+                <a16:creationId xmlns:a16="http://schemas.microsoft.com/office/drawing/2014/main" id="{816566D9-100E-084B-B5F6-880F150A0582}"/>
+              </a:ext>
+            </a:extLst>
+          </p:cNvPr>
+          <p:cNvSpPr/>
+          <p:nvPr/>
+        </p:nvSpPr>
+        <p:spPr>
+          <a:xfrm>
+            <a:off x="4495799" y="1840005"/>
+            <a:ext cx="578224" cy="578224"/>
+          </a:xfrm>
+          <a:prstGeom prst="ellipse">
+            <a:avLst/>
+          </a:prstGeom>
+          <a:noFill/>
+          <a:ln w="28575">
+            <a:solidFill>
+              <a:srgbClr val="FF0000"/>
+            </a:solidFill>
+          </a:ln>
+        </p:spPr>
+        <p:style>
+          <a:lnRef idx="2">
+            <a:schemeClr val="accent1">
+              <a:shade val="50000"/>
+            </a:schemeClr>
+          </a:lnRef>
+          <a:fillRef idx="1">
+            <a:schemeClr val="accent1"/>
+          </a:fillRef>
+          <a:effectRef idx="0">
+            <a:schemeClr val="accent1"/>
+          </a:effectRef>
+          <a:fontRef idx="minor">
+            <a:schemeClr val="lt1"/>
+          </a:fontRef>
+        </p:style>
+        <p:txBody>
+          <a:bodyPr rtlCol="0" anchor="ctr"/>
+          <a:lstStyle/>
+          <a:p>
+            <a:pPr algn="ctr"/>
+            <a:endParaRPr lang="en-US"/>
+          </a:p>
+        </p:txBody>
+      </p:sp>
+      <p:sp>
+        <p:nvSpPr>
+          <p:cNvPr id="9" name="Oval 8">
+            <a:extLst>
+              <a:ext uri="{FF2B5EF4-FFF2-40B4-BE49-F238E27FC236}">
+                <a16:creationId xmlns:a16="http://schemas.microsoft.com/office/drawing/2014/main" id="{7C582406-CE22-954A-8568-C06F1E6D72C1}"/>
+              </a:ext>
+            </a:extLst>
+          </p:cNvPr>
+          <p:cNvSpPr/>
+          <p:nvPr/>
+        </p:nvSpPr>
+        <p:spPr>
+          <a:xfrm>
+            <a:off x="4495799" y="2745439"/>
+            <a:ext cx="578224" cy="578224"/>
+          </a:xfrm>
+          <a:prstGeom prst="ellipse">
+            <a:avLst/>
+          </a:prstGeom>
+          <a:noFill/>
+          <a:ln w="28575">
+            <a:solidFill>
+              <a:srgbClr val="FF0000"/>
+            </a:solidFill>
+          </a:ln>
+        </p:spPr>
+        <p:style>
+          <a:lnRef idx="2">
+            <a:schemeClr val="accent1">
+              <a:shade val="50000"/>
+            </a:schemeClr>
+          </a:lnRef>
+          <a:fillRef idx="1">
+            <a:schemeClr val="accent1"/>
+          </a:fillRef>
+          <a:effectRef idx="0">
+            <a:schemeClr val="accent1"/>
+          </a:effectRef>
+          <a:fontRef idx="minor">
+            <a:schemeClr val="lt1"/>
+          </a:fontRef>
+        </p:style>
+        <p:txBody>
+          <a:bodyPr rtlCol="0" anchor="ctr"/>
+          <a:lstStyle/>
+          <a:p>
+            <a:pPr algn="ctr"/>
+            <a:endParaRPr lang="en-US"/>
+          </a:p>
+        </p:txBody>
+      </p:sp>
+      <p:sp>
+        <p:nvSpPr>
+          <p:cNvPr id="15" name="Oval 14">
+            <a:extLst>
+              <a:ext uri="{FF2B5EF4-FFF2-40B4-BE49-F238E27FC236}">
+                <a16:creationId xmlns:a16="http://schemas.microsoft.com/office/drawing/2014/main" id="{08F8E4E4-E87C-FE43-AD2C-761C4C50B230}"/>
+              </a:ext>
+            </a:extLst>
+          </p:cNvPr>
+          <p:cNvSpPr/>
+          <p:nvPr/>
+        </p:nvSpPr>
+        <p:spPr>
+          <a:xfrm>
+            <a:off x="4495799" y="3601137"/>
+            <a:ext cx="578224" cy="578224"/>
+          </a:xfrm>
+          <a:prstGeom prst="ellipse">
+            <a:avLst/>
+          </a:prstGeom>
+          <a:solidFill>
+            <a:schemeClr val="bg1">
+              <a:lumMod val="85000"/>
+            </a:schemeClr>
+          </a:solidFill>
+          <a:ln w="28575">
+            <a:solidFill>
+              <a:schemeClr val="bg1">
+                <a:lumMod val="50000"/>
+              </a:schemeClr>
+            </a:solidFill>
+          </a:ln>
+        </p:spPr>
+        <p:style>
+          <a:lnRef idx="2">
+            <a:schemeClr val="accent1">
+              <a:shade val="50000"/>
+            </a:schemeClr>
+          </a:lnRef>
+          <a:fillRef idx="1">
+            <a:schemeClr val="accent1"/>
+          </a:fillRef>
+          <a:effectRef idx="0">
+            <a:schemeClr val="accent1"/>
+          </a:effectRef>
+          <a:fontRef idx="minor">
+            <a:schemeClr val="lt1"/>
+          </a:fontRef>
+        </p:style>
+        <p:txBody>
+          <a:bodyPr rtlCol="0" anchor="ctr"/>
+          <a:lstStyle/>
+          <a:p>
+            <a:pPr algn="ctr"/>
+            <a:endParaRPr lang="en-US" sz="1000" b="1" dirty="0"/>
+          </a:p>
+        </p:txBody>
+      </p:sp>
+      <p:sp>
+        <p:nvSpPr>
+          <p:cNvPr id="20" name="Oval 19">
+            <a:extLst>
+              <a:ext uri="{FF2B5EF4-FFF2-40B4-BE49-F238E27FC236}">
+                <a16:creationId xmlns:a16="http://schemas.microsoft.com/office/drawing/2014/main" id="{CF97CD4E-A96C-8D41-9BB2-20838887064D}"/>
+              </a:ext>
+            </a:extLst>
+          </p:cNvPr>
+          <p:cNvSpPr/>
+          <p:nvPr/>
+        </p:nvSpPr>
+        <p:spPr>
+          <a:xfrm>
+            <a:off x="6792072" y="1680882"/>
+            <a:ext cx="578224" cy="578224"/>
+          </a:xfrm>
+          <a:prstGeom prst="ellipse">
+            <a:avLst/>
+          </a:prstGeom>
+          <a:noFill/>
+          <a:ln w="28575">
+            <a:solidFill>
+              <a:srgbClr val="00B050"/>
+            </a:solidFill>
+          </a:ln>
+        </p:spPr>
+        <p:style>
+          <a:lnRef idx="2">
+            <a:schemeClr val="accent1">
+              <a:shade val="50000"/>
+            </a:schemeClr>
+          </a:lnRef>
+          <a:fillRef idx="1">
+            <a:schemeClr val="accent1"/>
+          </a:fillRef>
+          <a:effectRef idx="0">
+            <a:schemeClr val="accent1"/>
+          </a:effectRef>
+          <a:fontRef idx="minor">
+            <a:schemeClr val="lt1"/>
+          </a:fontRef>
+        </p:style>
+        <p:txBody>
+          <a:bodyPr rtlCol="0" anchor="ctr"/>
+          <a:lstStyle/>
+          <a:p>
+            <a:pPr algn="ctr"/>
+            <a:endParaRPr lang="en-US"/>
+          </a:p>
+        </p:txBody>
+      </p:sp>
+      <p:sp>
+        <p:nvSpPr>
+          <p:cNvPr id="21" name="Oval 20">
+            <a:extLst>
+              <a:ext uri="{FF2B5EF4-FFF2-40B4-BE49-F238E27FC236}">
+                <a16:creationId xmlns:a16="http://schemas.microsoft.com/office/drawing/2014/main" id="{B19CE85C-B72A-4940-BA50-4C2D088A73A0}"/>
+              </a:ext>
+            </a:extLst>
+          </p:cNvPr>
+          <p:cNvSpPr/>
+          <p:nvPr/>
+        </p:nvSpPr>
+        <p:spPr>
+          <a:xfrm>
+            <a:off x="6792072" y="2613211"/>
+            <a:ext cx="578224" cy="578224"/>
+          </a:xfrm>
+          <a:prstGeom prst="ellipse">
+            <a:avLst/>
+          </a:prstGeom>
+          <a:noFill/>
+          <a:ln w="28575">
+            <a:solidFill>
+              <a:srgbClr val="00B050"/>
+            </a:solidFill>
+          </a:ln>
+        </p:spPr>
+        <p:style>
+          <a:lnRef idx="2">
+            <a:schemeClr val="accent1">
+              <a:shade val="50000"/>
+            </a:schemeClr>
+          </a:lnRef>
+          <a:fillRef idx="1">
+            <a:schemeClr val="accent1"/>
+          </a:fillRef>
+          <a:effectRef idx="0">
+            <a:schemeClr val="accent1"/>
+          </a:effectRef>
+          <a:fontRef idx="minor">
+            <a:schemeClr val="lt1"/>
+          </a:fontRef>
+        </p:style>
+        <p:txBody>
+          <a:bodyPr rtlCol="0" anchor="ctr"/>
+          <a:lstStyle/>
+          <a:p>
+            <a:pPr algn="ctr"/>
+            <a:endParaRPr lang="en-US"/>
+          </a:p>
+        </p:txBody>
+      </p:sp>
+      <p:cxnSp>
+        <p:nvCxnSpPr>
+          <p:cNvPr id="24" name="Straight Arrow Connector 23">
+            <a:extLst>
+              <a:ext uri="{FF2B5EF4-FFF2-40B4-BE49-F238E27FC236}">
+                <a16:creationId xmlns:a16="http://schemas.microsoft.com/office/drawing/2014/main" id="{6EAA03C3-232E-F940-893B-221E90F0D5E7}"/>
+              </a:ext>
+            </a:extLst>
+          </p:cNvPr>
+          <p:cNvCxnSpPr>
+            <a:cxnSpLocks/>
+            <a:stCxn id="4" idx="6"/>
+            <a:endCxn id="7" idx="2"/>
+          </p:cNvCxnSpPr>
+          <p:nvPr/>
+        </p:nvCxnSpPr>
+        <p:spPr>
+          <a:xfrm flipV="1">
+            <a:off x="2675965" y="1176618"/>
+            <a:ext cx="1819834" cy="793376"/>
+          </a:xfrm>
+          <a:prstGeom prst="straightConnector1">
+            <a:avLst/>
+          </a:prstGeom>
+          <a:ln>
+            <a:tailEnd type="triangle"/>
+          </a:ln>
+        </p:spPr>
+        <p:style>
+          <a:lnRef idx="1">
+            <a:schemeClr val="accent1"/>
+          </a:lnRef>
+          <a:fillRef idx="0">
+            <a:schemeClr val="accent1"/>
+          </a:fillRef>
+          <a:effectRef idx="0">
+            <a:schemeClr val="accent1"/>
+          </a:effectRef>
+          <a:fontRef idx="minor">
+            <a:schemeClr val="tx1"/>
+          </a:fontRef>
+        </p:style>
+      </p:cxnSp>
+      <p:cxnSp>
+        <p:nvCxnSpPr>
+          <p:cNvPr id="25" name="Straight Arrow Connector 24">
+            <a:extLst>
+              <a:ext uri="{FF2B5EF4-FFF2-40B4-BE49-F238E27FC236}">
+                <a16:creationId xmlns:a16="http://schemas.microsoft.com/office/drawing/2014/main" id="{BEDD3E6E-B9BA-8F40-8DC2-E96C882E0B54}"/>
+              </a:ext>
+            </a:extLst>
+          </p:cNvPr>
+          <p:cNvCxnSpPr>
+            <a:cxnSpLocks/>
+            <a:stCxn id="4" idx="6"/>
+            <a:endCxn id="8" idx="1"/>
+          </p:cNvCxnSpPr>
+          <p:nvPr/>
+        </p:nvCxnSpPr>
+        <p:spPr>
+          <a:xfrm flipV="1">
+            <a:off x="2675965" y="1924684"/>
+            <a:ext cx="1904513" cy="45310"/>
+          </a:xfrm>
+          <a:prstGeom prst="straightConnector1">
+            <a:avLst/>
+          </a:prstGeom>
+          <a:ln>
+            <a:tailEnd type="triangle"/>
+          </a:ln>
+        </p:spPr>
+        <p:style>
+          <a:lnRef idx="1">
+            <a:schemeClr val="accent1"/>
+          </a:lnRef>
+          <a:fillRef idx="0">
+            <a:schemeClr val="accent1"/>
+          </a:fillRef>
+          <a:effectRef idx="0">
+            <a:schemeClr val="accent1"/>
+          </a:effectRef>
+          <a:fontRef idx="minor">
+            <a:schemeClr val="tx1"/>
+          </a:fontRef>
+        </p:style>
+      </p:cxnSp>
+      <p:cxnSp>
+        <p:nvCxnSpPr>
+          <p:cNvPr id="28" name="Straight Arrow Connector 27">
+            <a:extLst>
+              <a:ext uri="{FF2B5EF4-FFF2-40B4-BE49-F238E27FC236}">
+                <a16:creationId xmlns:a16="http://schemas.microsoft.com/office/drawing/2014/main" id="{E2F21E7D-0C3C-F745-AFA0-8F20BE382DF0}"/>
+              </a:ext>
+            </a:extLst>
+          </p:cNvPr>
+          <p:cNvCxnSpPr>
+            <a:cxnSpLocks/>
+            <a:stCxn id="4" idx="6"/>
+            <a:endCxn id="9" idx="1"/>
+          </p:cNvCxnSpPr>
+          <p:nvPr/>
+        </p:nvCxnSpPr>
+        <p:spPr>
+          <a:xfrm>
+            <a:off x="2675965" y="1969994"/>
+            <a:ext cx="1904513" cy="860124"/>
+          </a:xfrm>
+          <a:prstGeom prst="straightConnector1">
+            <a:avLst/>
+          </a:prstGeom>
+          <a:ln>
+            <a:tailEnd type="triangle"/>
+          </a:ln>
+        </p:spPr>
+        <p:style>
+          <a:lnRef idx="1">
+            <a:schemeClr val="accent1"/>
+          </a:lnRef>
+          <a:fillRef idx="0">
+            <a:schemeClr val="accent1"/>
+          </a:fillRef>
+          <a:effectRef idx="0">
+            <a:schemeClr val="accent1"/>
+          </a:effectRef>
+          <a:fontRef idx="minor">
+            <a:schemeClr val="tx1"/>
+          </a:fontRef>
+        </p:style>
+      </p:cxnSp>
+      <p:cxnSp>
+        <p:nvCxnSpPr>
+          <p:cNvPr id="39" name="Straight Arrow Connector 38">
+            <a:extLst>
+              <a:ext uri="{FF2B5EF4-FFF2-40B4-BE49-F238E27FC236}">
+                <a16:creationId xmlns:a16="http://schemas.microsoft.com/office/drawing/2014/main" id="{4D55142E-D8EF-6E4F-A1F0-50D6C92BA45A}"/>
+              </a:ext>
+            </a:extLst>
+          </p:cNvPr>
+          <p:cNvCxnSpPr>
+            <a:cxnSpLocks/>
+            <a:stCxn id="5" idx="6"/>
+            <a:endCxn id="7" idx="3"/>
+          </p:cNvCxnSpPr>
+          <p:nvPr/>
+        </p:nvCxnSpPr>
+        <p:spPr>
+          <a:xfrm flipV="1">
+            <a:off x="2675965" y="1381051"/>
+            <a:ext cx="1904513" cy="1521272"/>
+          </a:xfrm>
+          <a:prstGeom prst="straightConnector1">
+            <a:avLst/>
+          </a:prstGeom>
+          <a:ln>
+            <a:tailEnd type="triangle"/>
+          </a:ln>
+        </p:spPr>
+        <p:style>
+          <a:lnRef idx="1">
+            <a:schemeClr val="accent1"/>
+          </a:lnRef>
+          <a:fillRef idx="0">
+            <a:schemeClr val="accent1"/>
+          </a:fillRef>
+          <a:effectRef idx="0">
+            <a:schemeClr val="accent1"/>
+          </a:effectRef>
+          <a:fontRef idx="minor">
+            <a:schemeClr val="tx1"/>
+          </a:fontRef>
+        </p:style>
+      </p:cxnSp>
+      <p:cxnSp>
+        <p:nvCxnSpPr>
+          <p:cNvPr id="48" name="Straight Arrow Connector 47">
+            <a:extLst>
+              <a:ext uri="{FF2B5EF4-FFF2-40B4-BE49-F238E27FC236}">
+                <a16:creationId xmlns:a16="http://schemas.microsoft.com/office/drawing/2014/main" id="{28F24C2C-CBA2-E049-91A2-04F674C54660}"/>
+              </a:ext>
+            </a:extLst>
+          </p:cNvPr>
+          <p:cNvCxnSpPr>
+            <a:cxnSpLocks/>
+            <a:stCxn id="5" idx="6"/>
+            <a:endCxn id="8" idx="2"/>
+          </p:cNvCxnSpPr>
+          <p:nvPr/>
+        </p:nvCxnSpPr>
+        <p:spPr>
+          <a:xfrm flipV="1">
+            <a:off x="2675965" y="2129117"/>
+            <a:ext cx="1819834" cy="773206"/>
+          </a:xfrm>
+          <a:prstGeom prst="straightConnector1">
+            <a:avLst/>
+          </a:prstGeom>
+          <a:ln>
+            <a:tailEnd type="triangle"/>
+          </a:ln>
+        </p:spPr>
+        <p:style>
+          <a:lnRef idx="1">
+            <a:schemeClr val="accent1"/>
+          </a:lnRef>
+          <a:fillRef idx="0">
+            <a:schemeClr val="accent1"/>
+          </a:fillRef>
+          <a:effectRef idx="0">
+            <a:schemeClr val="accent1"/>
+          </a:effectRef>
+          <a:fontRef idx="minor">
+            <a:schemeClr val="tx1"/>
+          </a:fontRef>
+        </p:style>
+      </p:cxnSp>
+      <p:cxnSp>
+        <p:nvCxnSpPr>
+          <p:cNvPr id="52" name="Straight Arrow Connector 51">
+            <a:extLst>
+              <a:ext uri="{FF2B5EF4-FFF2-40B4-BE49-F238E27FC236}">
+                <a16:creationId xmlns:a16="http://schemas.microsoft.com/office/drawing/2014/main" id="{FF7583B8-9F2E-5F4C-ABF9-2E22C58EE3F4}"/>
+              </a:ext>
+            </a:extLst>
+          </p:cNvPr>
+          <p:cNvCxnSpPr>
+            <a:cxnSpLocks/>
+            <a:stCxn id="5" idx="6"/>
+            <a:endCxn id="9" idx="2"/>
+          </p:cNvCxnSpPr>
+          <p:nvPr/>
+        </p:nvCxnSpPr>
+        <p:spPr>
+          <a:xfrm>
+            <a:off x="2675965" y="2902323"/>
+            <a:ext cx="1819834" cy="132228"/>
+          </a:xfrm>
+          <a:prstGeom prst="straightConnector1">
+            <a:avLst/>
+          </a:prstGeom>
+          <a:ln>
+            <a:tailEnd type="triangle"/>
+          </a:ln>
+        </p:spPr>
+        <p:style>
+          <a:lnRef idx="1">
+            <a:schemeClr val="accent1"/>
+          </a:lnRef>
+          <a:fillRef idx="0">
+            <a:schemeClr val="accent1"/>
+          </a:fillRef>
+          <a:effectRef idx="0">
+            <a:schemeClr val="accent1"/>
+          </a:effectRef>
+          <a:fontRef idx="minor">
+            <a:schemeClr val="tx1"/>
+          </a:fontRef>
+        </p:style>
+      </p:cxnSp>
+      <p:cxnSp>
+        <p:nvCxnSpPr>
+          <p:cNvPr id="59" name="Straight Arrow Connector 58">
+            <a:extLst>
+              <a:ext uri="{FF2B5EF4-FFF2-40B4-BE49-F238E27FC236}">
+                <a16:creationId xmlns:a16="http://schemas.microsoft.com/office/drawing/2014/main" id="{4AD784E0-2BDA-FC4D-BF2A-7D418BBA3138}"/>
+              </a:ext>
+            </a:extLst>
+          </p:cNvPr>
+          <p:cNvCxnSpPr>
+            <a:cxnSpLocks/>
+            <a:stCxn id="6" idx="6"/>
+            <a:endCxn id="7" idx="4"/>
+          </p:cNvCxnSpPr>
+          <p:nvPr/>
+        </p:nvCxnSpPr>
+        <p:spPr>
+          <a:xfrm flipV="1">
+            <a:off x="2675965" y="1465730"/>
+            <a:ext cx="2108946" cy="2424519"/>
+          </a:xfrm>
+          <a:prstGeom prst="straightConnector1">
+            <a:avLst/>
+          </a:prstGeom>
+          <a:ln>
+            <a:tailEnd type="triangle"/>
+          </a:ln>
+        </p:spPr>
+        <p:style>
+          <a:lnRef idx="1">
+            <a:schemeClr val="dk1"/>
+          </a:lnRef>
+          <a:fillRef idx="0">
+            <a:schemeClr val="dk1"/>
+          </a:fillRef>
+          <a:effectRef idx="0">
+            <a:schemeClr val="dk1"/>
+          </a:effectRef>
+          <a:fontRef idx="minor">
+            <a:schemeClr val="tx1"/>
+          </a:fontRef>
+        </p:style>
+      </p:cxnSp>
+      <p:cxnSp>
+        <p:nvCxnSpPr>
+          <p:cNvPr id="68" name="Straight Arrow Connector 67">
+            <a:extLst>
+              <a:ext uri="{FF2B5EF4-FFF2-40B4-BE49-F238E27FC236}">
+                <a16:creationId xmlns:a16="http://schemas.microsoft.com/office/drawing/2014/main" id="{3534B11C-0376-CD47-9FB0-BE728AF7AC50}"/>
+              </a:ext>
+            </a:extLst>
+          </p:cNvPr>
+          <p:cNvCxnSpPr>
+            <a:cxnSpLocks/>
+            <a:stCxn id="6" idx="6"/>
+            <a:endCxn id="9" idx="3"/>
+          </p:cNvCxnSpPr>
+          <p:nvPr/>
+        </p:nvCxnSpPr>
+        <p:spPr>
+          <a:xfrm flipV="1">
+            <a:off x="2675965" y="3238984"/>
+            <a:ext cx="1904513" cy="651265"/>
+          </a:xfrm>
+          <a:prstGeom prst="straightConnector1">
+            <a:avLst/>
+          </a:prstGeom>
+          <a:ln>
+            <a:tailEnd type="triangle"/>
+          </a:ln>
+        </p:spPr>
+        <p:style>
+          <a:lnRef idx="1">
+            <a:schemeClr val="dk1"/>
+          </a:lnRef>
+          <a:fillRef idx="0">
+            <a:schemeClr val="dk1"/>
+          </a:fillRef>
+          <a:effectRef idx="0">
+            <a:schemeClr val="dk1"/>
+          </a:effectRef>
+          <a:fontRef idx="minor">
+            <a:schemeClr val="tx1"/>
+          </a:fontRef>
+        </p:style>
+      </p:cxnSp>
+      <p:cxnSp>
+        <p:nvCxnSpPr>
+          <p:cNvPr id="71" name="Straight Arrow Connector 70">
+            <a:extLst>
+              <a:ext uri="{FF2B5EF4-FFF2-40B4-BE49-F238E27FC236}">
+                <a16:creationId xmlns:a16="http://schemas.microsoft.com/office/drawing/2014/main" id="{F19F17F6-0463-4841-89C2-F8F3750C284E}"/>
+              </a:ext>
+            </a:extLst>
+          </p:cNvPr>
+          <p:cNvCxnSpPr>
+            <a:cxnSpLocks/>
+            <a:stCxn id="6" idx="6"/>
+            <a:endCxn id="8" idx="3"/>
+          </p:cNvCxnSpPr>
+          <p:nvPr/>
+        </p:nvCxnSpPr>
+        <p:spPr>
+          <a:xfrm flipV="1">
+            <a:off x="2675965" y="2333550"/>
+            <a:ext cx="1904513" cy="1556699"/>
+          </a:xfrm>
+          <a:prstGeom prst="straightConnector1">
+            <a:avLst/>
+          </a:prstGeom>
+          <a:ln>
+            <a:tailEnd type="triangle"/>
+          </a:ln>
+        </p:spPr>
+        <p:style>
+          <a:lnRef idx="1">
+            <a:schemeClr val="dk1"/>
+          </a:lnRef>
+          <a:fillRef idx="0">
+            <a:schemeClr val="dk1"/>
+          </a:fillRef>
+          <a:effectRef idx="0">
+            <a:schemeClr val="dk1"/>
+          </a:effectRef>
+          <a:fontRef idx="minor">
+            <a:schemeClr val="tx1"/>
+          </a:fontRef>
+        </p:style>
+      </p:cxnSp>
+      <p:cxnSp>
+        <p:nvCxnSpPr>
+          <p:cNvPr id="74" name="Straight Arrow Connector 73">
+            <a:extLst>
+              <a:ext uri="{FF2B5EF4-FFF2-40B4-BE49-F238E27FC236}">
+                <a16:creationId xmlns:a16="http://schemas.microsoft.com/office/drawing/2014/main" id="{D21056C0-7E4A-144E-9BF8-8EB9CBE8D473}"/>
+              </a:ext>
+            </a:extLst>
+          </p:cNvPr>
+          <p:cNvCxnSpPr>
+            <a:cxnSpLocks/>
+            <a:stCxn id="7" idx="6"/>
+            <a:endCxn id="20" idx="1"/>
+          </p:cNvCxnSpPr>
+          <p:nvPr/>
+        </p:nvCxnSpPr>
+        <p:spPr>
+          <a:xfrm>
+            <a:off x="5074023" y="1176618"/>
+            <a:ext cx="1802728" cy="588943"/>
+          </a:xfrm>
+          <a:prstGeom prst="straightConnector1">
+            <a:avLst/>
+          </a:prstGeom>
+          <a:ln>
+            <a:solidFill>
+              <a:srgbClr val="FF0000"/>
+            </a:solidFill>
+            <a:tailEnd type="triangle"/>
+          </a:ln>
+        </p:spPr>
+        <p:style>
+          <a:lnRef idx="1">
+            <a:schemeClr val="accent1"/>
+          </a:lnRef>
+          <a:fillRef idx="0">
+            <a:schemeClr val="accent1"/>
+          </a:fillRef>
+          <a:effectRef idx="0">
+            <a:schemeClr val="accent1"/>
+          </a:effectRef>
+          <a:fontRef idx="minor">
+            <a:schemeClr val="tx1"/>
+          </a:fontRef>
+        </p:style>
+      </p:cxnSp>
+      <p:cxnSp>
+        <p:nvCxnSpPr>
+          <p:cNvPr id="77" name="Straight Arrow Connector 76">
+            <a:extLst>
+              <a:ext uri="{FF2B5EF4-FFF2-40B4-BE49-F238E27FC236}">
+                <a16:creationId xmlns:a16="http://schemas.microsoft.com/office/drawing/2014/main" id="{5ED678A8-888D-C840-B387-B3890C3E4B6B}"/>
+              </a:ext>
+            </a:extLst>
+          </p:cNvPr>
+          <p:cNvCxnSpPr>
+            <a:cxnSpLocks/>
+            <a:stCxn id="7" idx="6"/>
+            <a:endCxn id="21" idx="1"/>
+          </p:cNvCxnSpPr>
+          <p:nvPr/>
+        </p:nvCxnSpPr>
+        <p:spPr>
+          <a:xfrm>
+            <a:off x="5074023" y="1176618"/>
+            <a:ext cx="1802728" cy="1521272"/>
+          </a:xfrm>
+          <a:prstGeom prst="straightConnector1">
+            <a:avLst/>
+          </a:prstGeom>
+          <a:ln>
+            <a:solidFill>
+              <a:srgbClr val="FF0000"/>
+            </a:solidFill>
+            <a:tailEnd type="triangle"/>
+          </a:ln>
+        </p:spPr>
+        <p:style>
+          <a:lnRef idx="1">
+            <a:schemeClr val="accent1"/>
+          </a:lnRef>
+          <a:fillRef idx="0">
+            <a:schemeClr val="accent1"/>
+          </a:fillRef>
+          <a:effectRef idx="0">
+            <a:schemeClr val="accent1"/>
+          </a:effectRef>
+          <a:fontRef idx="minor">
+            <a:schemeClr val="tx1"/>
+          </a:fontRef>
+        </p:style>
+      </p:cxnSp>
+      <p:cxnSp>
+        <p:nvCxnSpPr>
+          <p:cNvPr id="84" name="Straight Arrow Connector 83">
+            <a:extLst>
+              <a:ext uri="{FF2B5EF4-FFF2-40B4-BE49-F238E27FC236}">
+                <a16:creationId xmlns:a16="http://schemas.microsoft.com/office/drawing/2014/main" id="{DE1E4F49-D272-3A46-AE9C-DDD8BAA8D5AF}"/>
+              </a:ext>
+            </a:extLst>
+          </p:cNvPr>
+          <p:cNvCxnSpPr>
+            <a:cxnSpLocks/>
+            <a:stCxn id="8" idx="6"/>
+            <a:endCxn id="20" idx="2"/>
+          </p:cNvCxnSpPr>
+          <p:nvPr/>
+        </p:nvCxnSpPr>
+        <p:spPr>
+          <a:xfrm flipV="1">
+            <a:off x="5074023" y="1969994"/>
+            <a:ext cx="1718049" cy="159123"/>
+          </a:xfrm>
+          <a:prstGeom prst="straightConnector1">
+            <a:avLst/>
+          </a:prstGeom>
+          <a:ln>
+            <a:solidFill>
+              <a:srgbClr val="FF0000"/>
+            </a:solidFill>
+            <a:tailEnd type="triangle"/>
+          </a:ln>
+        </p:spPr>
+        <p:style>
+          <a:lnRef idx="1">
+            <a:schemeClr val="accent1"/>
+          </a:lnRef>
+          <a:fillRef idx="0">
+            <a:schemeClr val="accent1"/>
+          </a:fillRef>
+          <a:effectRef idx="0">
+            <a:schemeClr val="accent1"/>
+          </a:effectRef>
+          <a:fontRef idx="minor">
+            <a:schemeClr val="tx1"/>
+          </a:fontRef>
+        </p:style>
+      </p:cxnSp>
+      <p:cxnSp>
+        <p:nvCxnSpPr>
+          <p:cNvPr id="87" name="Straight Arrow Connector 86">
+            <a:extLst>
+              <a:ext uri="{FF2B5EF4-FFF2-40B4-BE49-F238E27FC236}">
+                <a16:creationId xmlns:a16="http://schemas.microsoft.com/office/drawing/2014/main" id="{D7B4C55E-8ED0-CA43-B14A-119BA863B6C4}"/>
+              </a:ext>
+            </a:extLst>
+          </p:cNvPr>
+          <p:cNvCxnSpPr>
+            <a:cxnSpLocks/>
+            <a:stCxn id="8" idx="6"/>
+            <a:endCxn id="21" idx="2"/>
+          </p:cNvCxnSpPr>
+          <p:nvPr/>
+        </p:nvCxnSpPr>
+        <p:spPr>
+          <a:xfrm>
+            <a:off x="5074023" y="2129117"/>
+            <a:ext cx="1718049" cy="773206"/>
+          </a:xfrm>
+          <a:prstGeom prst="straightConnector1">
+            <a:avLst/>
+          </a:prstGeom>
+          <a:ln>
+            <a:solidFill>
+              <a:srgbClr val="FF0000"/>
+            </a:solidFill>
+            <a:tailEnd type="triangle"/>
+          </a:ln>
+        </p:spPr>
+        <p:style>
+          <a:lnRef idx="1">
+            <a:schemeClr val="accent1"/>
+          </a:lnRef>
+          <a:fillRef idx="0">
+            <a:schemeClr val="accent1"/>
+          </a:fillRef>
+          <a:effectRef idx="0">
+            <a:schemeClr val="accent1"/>
+          </a:effectRef>
+          <a:fontRef idx="minor">
+            <a:schemeClr val="tx1"/>
+          </a:fontRef>
+        </p:style>
+      </p:cxnSp>
+      <p:cxnSp>
+        <p:nvCxnSpPr>
+          <p:cNvPr id="93" name="Straight Arrow Connector 92">
+            <a:extLst>
+              <a:ext uri="{FF2B5EF4-FFF2-40B4-BE49-F238E27FC236}">
+                <a16:creationId xmlns:a16="http://schemas.microsoft.com/office/drawing/2014/main" id="{EB8ECA0F-5B88-F046-87A1-950895397134}"/>
+              </a:ext>
+            </a:extLst>
+          </p:cNvPr>
+          <p:cNvCxnSpPr>
+            <a:cxnSpLocks/>
+            <a:stCxn id="9" idx="6"/>
+            <a:endCxn id="20" idx="3"/>
+          </p:cNvCxnSpPr>
+          <p:nvPr/>
+        </p:nvCxnSpPr>
+        <p:spPr>
+          <a:xfrm flipV="1">
+            <a:off x="5074023" y="2174427"/>
+            <a:ext cx="1802728" cy="860124"/>
+          </a:xfrm>
+          <a:prstGeom prst="straightConnector1">
+            <a:avLst/>
+          </a:prstGeom>
+          <a:ln>
+            <a:solidFill>
+              <a:srgbClr val="FF0000"/>
+            </a:solidFill>
+            <a:tailEnd type="triangle"/>
+          </a:ln>
+        </p:spPr>
+        <p:style>
+          <a:lnRef idx="1">
+            <a:schemeClr val="accent1"/>
+          </a:lnRef>
+          <a:fillRef idx="0">
+            <a:schemeClr val="accent1"/>
+          </a:fillRef>
+          <a:effectRef idx="0">
+            <a:schemeClr val="accent1"/>
+          </a:effectRef>
+          <a:fontRef idx="minor">
+            <a:schemeClr val="tx1"/>
+          </a:fontRef>
+        </p:style>
+      </p:cxnSp>
+      <p:cxnSp>
+        <p:nvCxnSpPr>
+          <p:cNvPr id="96" name="Straight Arrow Connector 95">
+            <a:extLst>
+              <a:ext uri="{FF2B5EF4-FFF2-40B4-BE49-F238E27FC236}">
+                <a16:creationId xmlns:a16="http://schemas.microsoft.com/office/drawing/2014/main" id="{7E149CBC-7990-3944-ABE5-11E5A46E35F0}"/>
+              </a:ext>
+            </a:extLst>
+          </p:cNvPr>
+          <p:cNvCxnSpPr>
+            <a:cxnSpLocks/>
+            <a:stCxn id="9" idx="6"/>
+            <a:endCxn id="21" idx="2"/>
+          </p:cNvCxnSpPr>
+          <p:nvPr/>
+        </p:nvCxnSpPr>
+        <p:spPr>
+          <a:xfrm flipV="1">
+            <a:off x="5074023" y="2902323"/>
+            <a:ext cx="1718049" cy="132228"/>
+          </a:xfrm>
+          <a:prstGeom prst="straightConnector1">
+            <a:avLst/>
+          </a:prstGeom>
+          <a:ln>
+            <a:solidFill>
+              <a:srgbClr val="FF0000"/>
+            </a:solidFill>
+            <a:tailEnd type="triangle"/>
+          </a:ln>
+        </p:spPr>
+        <p:style>
+          <a:lnRef idx="1">
+            <a:schemeClr val="accent1"/>
+          </a:lnRef>
+          <a:fillRef idx="0">
+            <a:schemeClr val="accent1"/>
+          </a:fillRef>
+          <a:effectRef idx="0">
+            <a:schemeClr val="accent1"/>
+          </a:effectRef>
+          <a:fontRef idx="minor">
+            <a:schemeClr val="tx1"/>
+          </a:fontRef>
+        </p:style>
+      </p:cxnSp>
+      <p:cxnSp>
+        <p:nvCxnSpPr>
+          <p:cNvPr id="105" name="Straight Arrow Connector 104">
+            <a:extLst>
+              <a:ext uri="{FF2B5EF4-FFF2-40B4-BE49-F238E27FC236}">
+                <a16:creationId xmlns:a16="http://schemas.microsoft.com/office/drawing/2014/main" id="{9CB21603-9B00-6E49-9D33-01ED852E294A}"/>
+              </a:ext>
+            </a:extLst>
+          </p:cNvPr>
+          <p:cNvCxnSpPr>
+            <a:cxnSpLocks/>
+            <a:stCxn id="15" idx="6"/>
+            <a:endCxn id="21" idx="3"/>
+          </p:cNvCxnSpPr>
+          <p:nvPr/>
+        </p:nvCxnSpPr>
+        <p:spPr>
+          <a:xfrm flipV="1">
+            <a:off x="5074023" y="3106756"/>
+            <a:ext cx="1802728" cy="783493"/>
+          </a:xfrm>
+          <a:prstGeom prst="straightConnector1">
+            <a:avLst/>
+          </a:prstGeom>
+          <a:ln>
+            <a:tailEnd type="triangle"/>
+          </a:ln>
+        </p:spPr>
+        <p:style>
+          <a:lnRef idx="1">
+            <a:schemeClr val="dk1"/>
+          </a:lnRef>
+          <a:fillRef idx="0">
+            <a:schemeClr val="dk1"/>
+          </a:fillRef>
+          <a:effectRef idx="0">
+            <a:schemeClr val="dk1"/>
+          </a:effectRef>
+          <a:fontRef idx="minor">
+            <a:schemeClr val="tx1"/>
+          </a:fontRef>
+        </p:style>
+      </p:cxnSp>
+      <p:cxnSp>
+        <p:nvCxnSpPr>
+          <p:cNvPr id="108" name="Straight Arrow Connector 107">
+            <a:extLst>
+              <a:ext uri="{FF2B5EF4-FFF2-40B4-BE49-F238E27FC236}">
+                <a16:creationId xmlns:a16="http://schemas.microsoft.com/office/drawing/2014/main" id="{F53EB0BA-9844-4E43-956C-77E0918308D6}"/>
+              </a:ext>
+            </a:extLst>
+          </p:cNvPr>
+          <p:cNvCxnSpPr>
+            <a:cxnSpLocks/>
+            <a:stCxn id="15" idx="6"/>
+            <a:endCxn id="20" idx="4"/>
+          </p:cNvCxnSpPr>
+          <p:nvPr/>
+        </p:nvCxnSpPr>
+        <p:spPr>
+          <a:xfrm flipV="1">
+            <a:off x="5074023" y="2259106"/>
+            <a:ext cx="2007161" cy="1631143"/>
+          </a:xfrm>
+          <a:prstGeom prst="straightConnector1">
+            <a:avLst/>
+          </a:prstGeom>
+          <a:ln>
+            <a:tailEnd type="triangle"/>
+          </a:ln>
+        </p:spPr>
+        <p:style>
+          <a:lnRef idx="1">
+            <a:schemeClr val="dk1"/>
+          </a:lnRef>
+          <a:fillRef idx="0">
+            <a:schemeClr val="dk1"/>
+          </a:fillRef>
+          <a:effectRef idx="0">
+            <a:schemeClr val="dk1"/>
+          </a:effectRef>
+          <a:fontRef idx="minor">
+            <a:schemeClr val="tx1"/>
+          </a:fontRef>
+        </p:style>
+      </p:cxnSp>
+      <p:sp>
+        <p:nvSpPr>
+          <p:cNvPr id="121" name="TextBox 120">
+            <a:extLst>
+              <a:ext uri="{FF2B5EF4-FFF2-40B4-BE49-F238E27FC236}">
+                <a16:creationId xmlns:a16="http://schemas.microsoft.com/office/drawing/2014/main" id="{F98B4422-9A8E-5049-8F37-DC86A621CBD1}"/>
+              </a:ext>
+            </a:extLst>
+          </p:cNvPr>
+          <p:cNvSpPr txBox="1"/>
+          <p:nvPr/>
+        </p:nvSpPr>
+        <p:spPr>
+          <a:xfrm>
+            <a:off x="4006493" y="413728"/>
+            <a:ext cx="1556836" cy="369332"/>
+          </a:xfrm>
+          <a:prstGeom prst="rect">
+            <a:avLst/>
+          </a:prstGeom>
+          <a:noFill/>
+        </p:spPr>
+        <p:txBody>
+          <a:bodyPr wrap="none" rtlCol="0">
+            <a:spAutoFit/>
+          </a:bodyPr>
+          <a:lstStyle/>
+          <a:p>
+            <a:pPr algn="ctr"/>
+            <a:r>
+              <a:rPr lang="en-US" dirty="0">
+                <a:solidFill>
+                  <a:srgbClr val="FF0000"/>
+                </a:solidFill>
+              </a:rPr>
+              <a:t>Hidden Layer</a:t>
+            </a:r>
+          </a:p>
+        </p:txBody>
+      </p:sp>
+      <p:sp>
+        <p:nvSpPr>
+          <p:cNvPr id="122" name="TextBox 121">
+            <a:extLst>
+              <a:ext uri="{FF2B5EF4-FFF2-40B4-BE49-F238E27FC236}">
+                <a16:creationId xmlns:a16="http://schemas.microsoft.com/office/drawing/2014/main" id="{4A4B3445-1CEF-D645-A9B0-ABA14D4E78D1}"/>
+              </a:ext>
+            </a:extLst>
+          </p:cNvPr>
+          <p:cNvSpPr txBox="1"/>
+          <p:nvPr/>
+        </p:nvSpPr>
+        <p:spPr>
+          <a:xfrm>
+            <a:off x="1717440" y="390901"/>
+            <a:ext cx="1338828" cy="369332"/>
+          </a:xfrm>
+          <a:prstGeom prst="rect">
+            <a:avLst/>
+          </a:prstGeom>
+          <a:noFill/>
+        </p:spPr>
+        <p:txBody>
+          <a:bodyPr wrap="none" rtlCol="0">
+            <a:spAutoFit/>
+          </a:bodyPr>
+          <a:lstStyle/>
+          <a:p>
+            <a:pPr algn="ctr"/>
+            <a:r>
+              <a:rPr lang="en-US" dirty="0">
+                <a:solidFill>
+                  <a:srgbClr val="0070C0"/>
+                </a:solidFill>
+              </a:rPr>
+              <a:t>Input Layer</a:t>
+            </a:r>
+          </a:p>
+        </p:txBody>
+      </p:sp>
+      <p:sp>
+        <p:nvSpPr>
+          <p:cNvPr id="123" name="TextBox 122">
+            <a:extLst>
+              <a:ext uri="{FF2B5EF4-FFF2-40B4-BE49-F238E27FC236}">
+                <a16:creationId xmlns:a16="http://schemas.microsoft.com/office/drawing/2014/main" id="{CAF00D9B-CB18-7C4F-AD3D-6D26126CB83F}"/>
+              </a:ext>
+            </a:extLst>
+          </p:cNvPr>
+          <p:cNvSpPr txBox="1"/>
+          <p:nvPr/>
+        </p:nvSpPr>
+        <p:spPr>
+          <a:xfrm>
+            <a:off x="6322002" y="390901"/>
+            <a:ext cx="1518364" cy="369332"/>
+          </a:xfrm>
+          <a:prstGeom prst="rect">
+            <a:avLst/>
+          </a:prstGeom>
+          <a:noFill/>
+        </p:spPr>
+        <p:txBody>
+          <a:bodyPr wrap="none" rtlCol="0">
+            <a:spAutoFit/>
+          </a:bodyPr>
+          <a:lstStyle/>
+          <a:p>
+            <a:pPr algn="ctr"/>
+            <a:r>
+              <a:rPr lang="en-US" dirty="0">
+                <a:solidFill>
+                  <a:srgbClr val="00B050"/>
+                </a:solidFill>
+              </a:rPr>
+              <a:t>Output Layer</a:t>
+            </a:r>
+          </a:p>
+        </p:txBody>
+      </p:sp>
+      <p:sp>
+        <p:nvSpPr>
+          <p:cNvPr id="2" name="TextBox 1">
+            <a:extLst>
+              <a:ext uri="{FF2B5EF4-FFF2-40B4-BE49-F238E27FC236}">
+                <a16:creationId xmlns:a16="http://schemas.microsoft.com/office/drawing/2014/main" id="{35E260B4-3F8A-4B35-9CC8-9D3A57491D7E}"/>
+              </a:ext>
+            </a:extLst>
+          </p:cNvPr>
+          <p:cNvSpPr txBox="1"/>
+          <p:nvPr/>
+        </p:nvSpPr>
+        <p:spPr>
+          <a:xfrm>
+            <a:off x="4534117" y="3743360"/>
+            <a:ext cx="535724" cy="276999"/>
+          </a:xfrm>
+          <a:prstGeom prst="rect">
+            <a:avLst/>
+          </a:prstGeom>
+          <a:noFill/>
+        </p:spPr>
+        <p:txBody>
+          <a:bodyPr wrap="none" rtlCol="0">
+            <a:spAutoFit/>
+          </a:bodyPr>
+          <a:lstStyle/>
+          <a:p>
+            <a:r>
+              <a:rPr lang="en-US" sz="1200" dirty="0"/>
+              <a:t>BIAS</a:t>
+            </a:r>
+          </a:p>
+        </p:txBody>
+      </p:sp>
+      <p:sp>
+        <p:nvSpPr>
+          <p:cNvPr id="50" name="TextBox 49">
+            <a:extLst>
+              <a:ext uri="{FF2B5EF4-FFF2-40B4-BE49-F238E27FC236}">
+                <a16:creationId xmlns:a16="http://schemas.microsoft.com/office/drawing/2014/main" id="{F1EE1432-EC0D-4129-A828-8427CE00C630}"/>
+              </a:ext>
+            </a:extLst>
+          </p:cNvPr>
+          <p:cNvSpPr txBox="1"/>
+          <p:nvPr/>
+        </p:nvSpPr>
+        <p:spPr>
+          <a:xfrm>
+            <a:off x="2136059" y="3741118"/>
+            <a:ext cx="535724" cy="276999"/>
+          </a:xfrm>
+          <a:prstGeom prst="rect">
+            <a:avLst/>
+          </a:prstGeom>
+          <a:noFill/>
+        </p:spPr>
+        <p:txBody>
+          <a:bodyPr wrap="none" rtlCol="0">
+            <a:spAutoFit/>
+          </a:bodyPr>
+          <a:lstStyle/>
+          <a:p>
+            <a:r>
+              <a:rPr lang="en-US" sz="1200" dirty="0"/>
+              <a:t>BIAS</a:t>
+            </a:r>
+          </a:p>
+        </p:txBody>
+      </p:sp>
+      <p:sp>
+        <p:nvSpPr>
+          <p:cNvPr id="51" name="TextBox 50">
+            <a:extLst>
+              <a:ext uri="{FF2B5EF4-FFF2-40B4-BE49-F238E27FC236}">
+                <a16:creationId xmlns:a16="http://schemas.microsoft.com/office/drawing/2014/main" id="{BE2EBAB9-312B-4011-B870-502E61D98329}"/>
+              </a:ext>
+            </a:extLst>
+          </p:cNvPr>
+          <p:cNvSpPr txBox="1"/>
+          <p:nvPr/>
+        </p:nvSpPr>
+        <p:spPr>
+          <a:xfrm>
+            <a:off x="2891087" y="1577992"/>
+            <a:ext cx="415498" cy="276999"/>
+          </a:xfrm>
+          <a:prstGeom prst="rect">
+            <a:avLst/>
+          </a:prstGeom>
+          <a:noFill/>
+        </p:spPr>
+        <p:txBody>
+          <a:bodyPr wrap="none" rtlCol="0">
+            <a:spAutoFit/>
+          </a:bodyPr>
+          <a:lstStyle/>
+          <a:p>
+            <a:r>
+              <a:rPr lang="en-US" sz="1200" dirty="0"/>
+              <a:t>W1</a:t>
+            </a:r>
+          </a:p>
+        </p:txBody>
+      </p:sp>
+      <p:sp>
+        <p:nvSpPr>
+          <p:cNvPr id="53" name="TextBox 52">
+            <a:extLst>
+              <a:ext uri="{FF2B5EF4-FFF2-40B4-BE49-F238E27FC236}">
+                <a16:creationId xmlns:a16="http://schemas.microsoft.com/office/drawing/2014/main" id="{3E5AF511-CE63-4BB3-942D-9216FB5CEDE2}"/>
+              </a:ext>
+            </a:extLst>
+          </p:cNvPr>
+          <p:cNvSpPr txBox="1"/>
+          <p:nvPr/>
+        </p:nvSpPr>
+        <p:spPr>
+          <a:xfrm>
+            <a:off x="2891087" y="1800071"/>
+            <a:ext cx="415498" cy="276999"/>
+          </a:xfrm>
+          <a:prstGeom prst="rect">
+            <a:avLst/>
+          </a:prstGeom>
+          <a:noFill/>
+        </p:spPr>
+        <p:txBody>
+          <a:bodyPr wrap="none" rtlCol="0">
+            <a:spAutoFit/>
+          </a:bodyPr>
+          <a:lstStyle/>
+          <a:p>
+            <a:r>
+              <a:rPr lang="en-US" sz="1200" dirty="0"/>
+              <a:t>W2</a:t>
+            </a:r>
+          </a:p>
+        </p:txBody>
+      </p:sp>
+      <p:sp>
+        <p:nvSpPr>
+          <p:cNvPr id="54" name="TextBox 53">
+            <a:extLst>
+              <a:ext uri="{FF2B5EF4-FFF2-40B4-BE49-F238E27FC236}">
+                <a16:creationId xmlns:a16="http://schemas.microsoft.com/office/drawing/2014/main" id="{2845F3CD-9006-420B-A613-2F4E06B0A73F}"/>
+              </a:ext>
+            </a:extLst>
+          </p:cNvPr>
+          <p:cNvSpPr txBox="1"/>
+          <p:nvPr/>
+        </p:nvSpPr>
+        <p:spPr>
+          <a:xfrm>
+            <a:off x="2891784" y="2027840"/>
+            <a:ext cx="415498" cy="276999"/>
+          </a:xfrm>
+          <a:prstGeom prst="rect">
+            <a:avLst/>
+          </a:prstGeom>
+          <a:noFill/>
+        </p:spPr>
+        <p:txBody>
+          <a:bodyPr wrap="none" rtlCol="0">
+            <a:spAutoFit/>
+          </a:bodyPr>
+          <a:lstStyle/>
+          <a:p>
+            <a:r>
+              <a:rPr lang="en-US" sz="1200" dirty="0"/>
+              <a:t>W3</a:t>
+            </a:r>
+          </a:p>
+        </p:txBody>
+      </p:sp>
+      <p:sp>
+        <p:nvSpPr>
+          <p:cNvPr id="55" name="TextBox 54">
+            <a:extLst>
+              <a:ext uri="{FF2B5EF4-FFF2-40B4-BE49-F238E27FC236}">
+                <a16:creationId xmlns:a16="http://schemas.microsoft.com/office/drawing/2014/main" id="{55603C71-0FAE-4232-AF01-541480F882BC}"/>
+              </a:ext>
+            </a:extLst>
+          </p:cNvPr>
+          <p:cNvSpPr txBox="1"/>
+          <p:nvPr/>
+        </p:nvSpPr>
+        <p:spPr>
+          <a:xfrm>
+            <a:off x="2891087" y="2358897"/>
+            <a:ext cx="415498" cy="276999"/>
+          </a:xfrm>
+          <a:prstGeom prst="rect">
+            <a:avLst/>
+          </a:prstGeom>
+          <a:noFill/>
+        </p:spPr>
+        <p:txBody>
+          <a:bodyPr wrap="none" rtlCol="0">
+            <a:spAutoFit/>
+          </a:bodyPr>
+          <a:lstStyle/>
+          <a:p>
+            <a:r>
+              <a:rPr lang="en-US" sz="1200" dirty="0"/>
+              <a:t>W4</a:t>
+            </a:r>
+          </a:p>
+        </p:txBody>
+      </p:sp>
+      <p:sp>
+        <p:nvSpPr>
+          <p:cNvPr id="56" name="TextBox 55">
+            <a:extLst>
+              <a:ext uri="{FF2B5EF4-FFF2-40B4-BE49-F238E27FC236}">
+                <a16:creationId xmlns:a16="http://schemas.microsoft.com/office/drawing/2014/main" id="{7129277C-1625-4EA1-B6DE-D3581FADD31D}"/>
+              </a:ext>
+            </a:extLst>
+          </p:cNvPr>
+          <p:cNvSpPr txBox="1"/>
+          <p:nvPr/>
+        </p:nvSpPr>
+        <p:spPr>
+          <a:xfrm>
+            <a:off x="2891087" y="2605445"/>
+            <a:ext cx="415498" cy="276999"/>
+          </a:xfrm>
+          <a:prstGeom prst="rect">
+            <a:avLst/>
+          </a:prstGeom>
+          <a:noFill/>
+        </p:spPr>
+        <p:txBody>
+          <a:bodyPr wrap="none" rtlCol="0">
+            <a:spAutoFit/>
+          </a:bodyPr>
+          <a:lstStyle/>
+          <a:p>
+            <a:r>
+              <a:rPr lang="en-US" sz="1200" dirty="0"/>
+              <a:t>W5</a:t>
+            </a:r>
+          </a:p>
+        </p:txBody>
+      </p:sp>
+      <p:sp>
+        <p:nvSpPr>
+          <p:cNvPr id="57" name="TextBox 56">
+            <a:extLst>
+              <a:ext uri="{FF2B5EF4-FFF2-40B4-BE49-F238E27FC236}">
+                <a16:creationId xmlns:a16="http://schemas.microsoft.com/office/drawing/2014/main" id="{38208246-C5CA-498C-A6AE-8AC8DAF82924}"/>
+              </a:ext>
+            </a:extLst>
+          </p:cNvPr>
+          <p:cNvSpPr txBox="1"/>
+          <p:nvPr/>
+        </p:nvSpPr>
+        <p:spPr>
+          <a:xfrm>
+            <a:off x="2891784" y="2824875"/>
+            <a:ext cx="415498" cy="276999"/>
+          </a:xfrm>
+          <a:prstGeom prst="rect">
+            <a:avLst/>
+          </a:prstGeom>
+          <a:noFill/>
+        </p:spPr>
+        <p:txBody>
+          <a:bodyPr wrap="none" rtlCol="0">
+            <a:spAutoFit/>
+          </a:bodyPr>
+          <a:lstStyle/>
+          <a:p>
+            <a:r>
+              <a:rPr lang="en-US" sz="1200" dirty="0"/>
+              <a:t>W6</a:t>
+            </a:r>
+          </a:p>
+        </p:txBody>
+      </p:sp>
+    </p:spTree>
+    <p:extLst>
+      <p:ext uri="{BB962C8B-B14F-4D97-AF65-F5344CB8AC3E}">
+        <p14:creationId xmlns:p14="http://schemas.microsoft.com/office/powerpoint/2010/main" val="188685412"/>
       </p:ext>
     </p:extLst>
   </p:cSld>

--- a/COSC 528/Project 4/Images.pptx
+++ b/COSC 528/Project 4/Images.pptx
@@ -9631,6 +9631,356 @@
           </a:p>
         </p:txBody>
       </p:sp>
+      <p:sp>
+        <p:nvSpPr>
+          <p:cNvPr id="61" name="TextBox 60">
+            <a:extLst>
+              <a:ext uri="{FF2B5EF4-FFF2-40B4-BE49-F238E27FC236}">
+                <a16:creationId xmlns:a16="http://schemas.microsoft.com/office/drawing/2014/main" id="{FF0D113B-41A4-4F2D-B69A-A5CE71E9C8C3}"/>
+              </a:ext>
+            </a:extLst>
+          </p:cNvPr>
+          <p:cNvSpPr txBox="1"/>
+          <p:nvPr/>
+        </p:nvSpPr>
+        <p:spPr>
+          <a:xfrm>
+            <a:off x="2921544" y="3407458"/>
+            <a:ext cx="354584" cy="276999"/>
+          </a:xfrm>
+          <a:prstGeom prst="rect">
+            <a:avLst/>
+          </a:prstGeom>
+          <a:noFill/>
+        </p:spPr>
+        <p:txBody>
+          <a:bodyPr wrap="none" rtlCol="0">
+            <a:spAutoFit/>
+          </a:bodyPr>
+          <a:lstStyle/>
+          <a:p>
+            <a:r>
+              <a:rPr lang="en-US" sz="1200" dirty="0"/>
+              <a:t>b1</a:t>
+            </a:r>
+          </a:p>
+        </p:txBody>
+      </p:sp>
+      <p:sp>
+        <p:nvSpPr>
+          <p:cNvPr id="63" name="TextBox 62">
+            <a:extLst>
+              <a:ext uri="{FF2B5EF4-FFF2-40B4-BE49-F238E27FC236}">
+                <a16:creationId xmlns:a16="http://schemas.microsoft.com/office/drawing/2014/main" id="{6C01B1C2-009C-4F7C-A04F-43E0C7F40650}"/>
+              </a:ext>
+            </a:extLst>
+          </p:cNvPr>
+          <p:cNvSpPr txBox="1"/>
+          <p:nvPr/>
+        </p:nvSpPr>
+        <p:spPr>
+          <a:xfrm>
+            <a:off x="5185922" y="1071856"/>
+            <a:ext cx="415498" cy="276999"/>
+          </a:xfrm>
+          <a:prstGeom prst="rect">
+            <a:avLst/>
+          </a:prstGeom>
+          <a:noFill/>
+        </p:spPr>
+        <p:txBody>
+          <a:bodyPr wrap="none" rtlCol="0">
+            <a:spAutoFit/>
+          </a:bodyPr>
+          <a:lstStyle/>
+          <a:p>
+            <a:r>
+              <a:rPr lang="en-US" sz="1200" dirty="0"/>
+              <a:t>W1</a:t>
+            </a:r>
+          </a:p>
+        </p:txBody>
+      </p:sp>
+      <p:sp>
+        <p:nvSpPr>
+          <p:cNvPr id="64" name="TextBox 63">
+            <a:extLst>
+              <a:ext uri="{FF2B5EF4-FFF2-40B4-BE49-F238E27FC236}">
+                <a16:creationId xmlns:a16="http://schemas.microsoft.com/office/drawing/2014/main" id="{21BA2BE0-6B3F-4711-AB7D-06F3280346C1}"/>
+              </a:ext>
+            </a:extLst>
+          </p:cNvPr>
+          <p:cNvSpPr txBox="1"/>
+          <p:nvPr/>
+        </p:nvSpPr>
+        <p:spPr>
+          <a:xfrm>
+            <a:off x="5185922" y="1293935"/>
+            <a:ext cx="415498" cy="276999"/>
+          </a:xfrm>
+          <a:prstGeom prst="rect">
+            <a:avLst/>
+          </a:prstGeom>
+          <a:noFill/>
+        </p:spPr>
+        <p:txBody>
+          <a:bodyPr wrap="none" rtlCol="0">
+            <a:spAutoFit/>
+          </a:bodyPr>
+          <a:lstStyle/>
+          <a:p>
+            <a:r>
+              <a:rPr lang="en-US" sz="1200" dirty="0"/>
+              <a:t>W2</a:t>
+            </a:r>
+          </a:p>
+        </p:txBody>
+      </p:sp>
+      <p:sp>
+        <p:nvSpPr>
+          <p:cNvPr id="66" name="TextBox 65">
+            <a:extLst>
+              <a:ext uri="{FF2B5EF4-FFF2-40B4-BE49-F238E27FC236}">
+                <a16:creationId xmlns:a16="http://schemas.microsoft.com/office/drawing/2014/main" id="{1FAC16B7-A6A3-49B7-B6D6-C8889DE7DFB7}"/>
+              </a:ext>
+            </a:extLst>
+          </p:cNvPr>
+          <p:cNvSpPr txBox="1"/>
+          <p:nvPr/>
+        </p:nvSpPr>
+        <p:spPr>
+          <a:xfrm>
+            <a:off x="5186619" y="1957932"/>
+            <a:ext cx="415498" cy="276999"/>
+          </a:xfrm>
+          <a:prstGeom prst="rect">
+            <a:avLst/>
+          </a:prstGeom>
+          <a:noFill/>
+        </p:spPr>
+        <p:txBody>
+          <a:bodyPr wrap="none" rtlCol="0">
+            <a:spAutoFit/>
+          </a:bodyPr>
+          <a:lstStyle/>
+          <a:p>
+            <a:r>
+              <a:rPr lang="en-US" sz="1200" dirty="0"/>
+              <a:t>W3</a:t>
+            </a:r>
+          </a:p>
+        </p:txBody>
+      </p:sp>
+      <p:sp>
+        <p:nvSpPr>
+          <p:cNvPr id="67" name="TextBox 66">
+            <a:extLst>
+              <a:ext uri="{FF2B5EF4-FFF2-40B4-BE49-F238E27FC236}">
+                <a16:creationId xmlns:a16="http://schemas.microsoft.com/office/drawing/2014/main" id="{F85177B6-A3AF-4E24-BD03-03A719D0ED67}"/>
+              </a:ext>
+            </a:extLst>
+          </p:cNvPr>
+          <p:cNvSpPr txBox="1"/>
+          <p:nvPr/>
+        </p:nvSpPr>
+        <p:spPr>
+          <a:xfrm>
+            <a:off x="5186619" y="2188161"/>
+            <a:ext cx="415498" cy="276999"/>
+          </a:xfrm>
+          <a:prstGeom prst="rect">
+            <a:avLst/>
+          </a:prstGeom>
+          <a:noFill/>
+        </p:spPr>
+        <p:txBody>
+          <a:bodyPr wrap="none" rtlCol="0">
+            <a:spAutoFit/>
+          </a:bodyPr>
+          <a:lstStyle/>
+          <a:p>
+            <a:r>
+              <a:rPr lang="en-US" sz="1200" dirty="0"/>
+              <a:t>W4</a:t>
+            </a:r>
+          </a:p>
+        </p:txBody>
+      </p:sp>
+      <p:sp>
+        <p:nvSpPr>
+          <p:cNvPr id="69" name="TextBox 68">
+            <a:extLst>
+              <a:ext uri="{FF2B5EF4-FFF2-40B4-BE49-F238E27FC236}">
+                <a16:creationId xmlns:a16="http://schemas.microsoft.com/office/drawing/2014/main" id="{19723CEF-507F-4189-BB87-10E0F4E0E2E2}"/>
+              </a:ext>
+            </a:extLst>
+          </p:cNvPr>
+          <p:cNvSpPr txBox="1"/>
+          <p:nvPr/>
+        </p:nvSpPr>
+        <p:spPr>
+          <a:xfrm>
+            <a:off x="5185922" y="2703516"/>
+            <a:ext cx="415498" cy="276999"/>
+          </a:xfrm>
+          <a:prstGeom prst="rect">
+            <a:avLst/>
+          </a:prstGeom>
+          <a:noFill/>
+        </p:spPr>
+        <p:txBody>
+          <a:bodyPr wrap="none" rtlCol="0">
+            <a:spAutoFit/>
+          </a:bodyPr>
+          <a:lstStyle/>
+          <a:p>
+            <a:r>
+              <a:rPr lang="en-US" sz="1200" dirty="0"/>
+              <a:t>W5</a:t>
+            </a:r>
+          </a:p>
+        </p:txBody>
+      </p:sp>
+      <p:sp>
+        <p:nvSpPr>
+          <p:cNvPr id="70" name="TextBox 69">
+            <a:extLst>
+              <a:ext uri="{FF2B5EF4-FFF2-40B4-BE49-F238E27FC236}">
+                <a16:creationId xmlns:a16="http://schemas.microsoft.com/office/drawing/2014/main" id="{43FCA2CA-3247-4D5A-BA6C-4559BF8158F1}"/>
+              </a:ext>
+            </a:extLst>
+          </p:cNvPr>
+          <p:cNvSpPr txBox="1"/>
+          <p:nvPr/>
+        </p:nvSpPr>
+        <p:spPr>
+          <a:xfrm>
+            <a:off x="5186619" y="2922946"/>
+            <a:ext cx="415498" cy="276999"/>
+          </a:xfrm>
+          <a:prstGeom prst="rect">
+            <a:avLst/>
+          </a:prstGeom>
+          <a:noFill/>
+        </p:spPr>
+        <p:txBody>
+          <a:bodyPr wrap="none" rtlCol="0">
+            <a:spAutoFit/>
+          </a:bodyPr>
+          <a:lstStyle/>
+          <a:p>
+            <a:r>
+              <a:rPr lang="en-US" sz="1200" dirty="0"/>
+              <a:t>W6</a:t>
+            </a:r>
+          </a:p>
+        </p:txBody>
+      </p:sp>
+      <p:sp>
+        <p:nvSpPr>
+          <p:cNvPr id="72" name="TextBox 71">
+            <a:extLst>
+              <a:ext uri="{FF2B5EF4-FFF2-40B4-BE49-F238E27FC236}">
+                <a16:creationId xmlns:a16="http://schemas.microsoft.com/office/drawing/2014/main" id="{26BF5F54-49D7-4FA9-9CAB-E6B2D7B2B124}"/>
+              </a:ext>
+            </a:extLst>
+          </p:cNvPr>
+          <p:cNvSpPr txBox="1"/>
+          <p:nvPr/>
+        </p:nvSpPr>
+        <p:spPr>
+          <a:xfrm>
+            <a:off x="5222464" y="3550038"/>
+            <a:ext cx="354584" cy="276999"/>
+          </a:xfrm>
+          <a:prstGeom prst="rect">
+            <a:avLst/>
+          </a:prstGeom>
+          <a:noFill/>
+        </p:spPr>
+        <p:txBody>
+          <a:bodyPr wrap="none" rtlCol="0">
+            <a:spAutoFit/>
+          </a:bodyPr>
+          <a:lstStyle/>
+          <a:p>
+            <a:r>
+              <a:rPr lang="en-US" sz="1200" dirty="0"/>
+              <a:t>b2</a:t>
+            </a:r>
+          </a:p>
+        </p:txBody>
+      </p:sp>
+      <p:sp>
+        <p:nvSpPr>
+          <p:cNvPr id="73" name="TextBox 72">
+            <a:extLst>
+              <a:ext uri="{FF2B5EF4-FFF2-40B4-BE49-F238E27FC236}">
+                <a16:creationId xmlns:a16="http://schemas.microsoft.com/office/drawing/2014/main" id="{DBE5A67F-27B5-489C-B400-BBD20881F478}"/>
+              </a:ext>
+            </a:extLst>
+          </p:cNvPr>
+          <p:cNvSpPr txBox="1"/>
+          <p:nvPr/>
+        </p:nvSpPr>
+        <p:spPr>
+          <a:xfrm rot="10800000" flipV="1">
+            <a:off x="2754548" y="1279709"/>
+            <a:ext cx="817511" cy="276999"/>
+          </a:xfrm>
+          <a:prstGeom prst="rect">
+            <a:avLst/>
+          </a:prstGeom>
+          <a:noFill/>
+        </p:spPr>
+        <p:txBody>
+          <a:bodyPr wrap="square" rtlCol="0">
+            <a:spAutoFit/>
+          </a:bodyPr>
+          <a:lstStyle/>
+          <a:p>
+            <a:r>
+              <a:rPr lang="en-US" sz="1200" i="1" dirty="0"/>
+              <a:t>Weights</a:t>
+            </a:r>
+          </a:p>
+        </p:txBody>
+      </p:sp>
+      <p:sp>
+        <p:nvSpPr>
+          <p:cNvPr id="75" name="TextBox 74">
+            <a:extLst>
+              <a:ext uri="{FF2B5EF4-FFF2-40B4-BE49-F238E27FC236}">
+                <a16:creationId xmlns:a16="http://schemas.microsoft.com/office/drawing/2014/main" id="{1405A661-C9CB-4BCC-B6C8-169416FE15AF}"/>
+              </a:ext>
+            </a:extLst>
+          </p:cNvPr>
+          <p:cNvSpPr txBox="1"/>
+          <p:nvPr/>
+        </p:nvSpPr>
+        <p:spPr>
+          <a:xfrm rot="10800000" flipV="1">
+            <a:off x="5069841" y="802343"/>
+            <a:ext cx="817511" cy="276999"/>
+          </a:xfrm>
+          <a:prstGeom prst="rect">
+            <a:avLst/>
+          </a:prstGeom>
+          <a:noFill/>
+        </p:spPr>
+        <p:txBody>
+          <a:bodyPr wrap="square" rtlCol="0">
+            <a:spAutoFit/>
+          </a:bodyPr>
+          <a:lstStyle/>
+          <a:p>
+            <a:r>
+              <a:rPr lang="en-US" sz="1200" i="1" dirty="0"/>
+              <a:t>Weights</a:t>
+            </a:r>
+          </a:p>
+        </p:txBody>
+      </p:sp>
     </p:spTree>
     <p:extLst>
       <p:ext uri="{BB962C8B-B14F-4D97-AF65-F5344CB8AC3E}">
